--- a/lesson13.pptx
+++ b/lesson13.pptx
@@ -155,6 +155,35 @@
 </p:presentation>
 </file>
 
+<file path=ppt/changesInfos/changesInfo1.xml><?xml version="1.0" encoding="utf-8"?>
+<pc:chgInfo xmlns:a="http://schemas.openxmlformats.org/drawingml/2006/main" xmlns:r="http://schemas.openxmlformats.org/officeDocument/2006/relationships" xmlns:ac="http://schemas.microsoft.com/office/drawing/2013/main/command" xmlns:pc="http://schemas.microsoft.com/office/powerpoint/2013/main/command">
+  <pc:docChgLst>
+    <pc:chgData name="Anatoliy Kigel" userId="7432c6c4687b0a9c" providerId="LiveId" clId="{A4312DF7-0925-4D6E-990A-4EC365D33FB9}"/>
+    <pc:docChg chg="modSld">
+      <pc:chgData name="Anatoliy Kigel" userId="7432c6c4687b0a9c" providerId="LiveId" clId="{A4312DF7-0925-4D6E-990A-4EC365D33FB9}" dt="2021-01-02T11:28:42.627" v="0" actId="1035"/>
+      <pc:docMkLst>
+        <pc:docMk/>
+      </pc:docMkLst>
+      <pc:sldChg chg="modSp mod">
+        <pc:chgData name="Anatoliy Kigel" userId="7432c6c4687b0a9c" providerId="LiveId" clId="{A4312DF7-0925-4D6E-990A-4EC365D33FB9}" dt="2021-01-02T11:28:42.627" v="0" actId="1035"/>
+        <pc:sldMkLst>
+          <pc:docMk/>
+          <pc:sldMk cId="874961883" sldId="264"/>
+        </pc:sldMkLst>
+        <pc:spChg chg="mod">
+          <ac:chgData name="Anatoliy Kigel" userId="7432c6c4687b0a9c" providerId="LiveId" clId="{A4312DF7-0925-4D6E-990A-4EC365D33FB9}" dt="2021-01-02T11:28:42.627" v="0" actId="1035"/>
+          <ac:spMkLst>
+            <pc:docMk/>
+            <pc:sldMk cId="874961883" sldId="264"/>
+            <ac:spMk id="2" creationId="{00000000-0000-0000-0000-000000000000}"/>
+          </ac:spMkLst>
+        </pc:spChg>
+      </pc:sldChg>
+    </pc:docChg>
+  </pc:docChgLst>
+</pc:chgInfo>
+</file>
+
 <file path=ppt/notesMasters/notesMaster1.xml><?xml version="1.0" encoding="utf-8"?>
 <p:notesMaster xmlns:a="http://schemas.openxmlformats.org/drawingml/2006/main" xmlns:r="http://schemas.openxmlformats.org/officeDocument/2006/relationships" xmlns:p="http://schemas.openxmlformats.org/presentationml/2006/main">
   <p:cSld>
@@ -238,7 +267,7 @@
             <a:fld id="{85522811-C5C6-42D2-A409-F8556720C93F}" type="datetimeFigureOut">
               <a:rPr lang="uk-UA" smtClean="0"/>
               <a:pPr/>
-              <a:t>01.01.2021</a:t>
+              <a:t>02.01.2021</a:t>
             </a:fld>
             <a:endParaRPr lang="uk-UA"/>
           </a:p>
@@ -1146,7 +1175,7 @@
             <a:fld id="{E6FC6B0D-6115-4D7C-8040-9C8E2349BB6E}" type="datetime1">
               <a:rPr lang="uk-UA" smtClean="0"/>
               <a:pPr/>
-              <a:t>01.01.2021</a:t>
+              <a:t>02.01.2021</a:t>
             </a:fld>
             <a:endParaRPr lang="uk-UA"/>
           </a:p>
@@ -1313,7 +1342,7 @@
             <a:fld id="{996367BA-0A39-4DE2-BFC3-D5290044365E}" type="datetime1">
               <a:rPr lang="uk-UA" smtClean="0"/>
               <a:pPr/>
-              <a:t>01.01.2021</a:t>
+              <a:t>02.01.2021</a:t>
             </a:fld>
             <a:endParaRPr lang="uk-UA"/>
           </a:p>
@@ -1490,7 +1519,7 @@
             <a:fld id="{1BD6A67F-6C29-47DC-AF8A-FDB3C787DF70}" type="datetime1">
               <a:rPr lang="uk-UA" smtClean="0"/>
               <a:pPr/>
-              <a:t>01.01.2021</a:t>
+              <a:t>02.01.2021</a:t>
             </a:fld>
             <a:endParaRPr lang="uk-UA"/>
           </a:p>
@@ -1657,7 +1686,7 @@
             <a:fld id="{1657D9C5-7FF1-434F-B56E-9BAD559744E9}" type="datetime1">
               <a:rPr lang="uk-UA" smtClean="0"/>
               <a:pPr/>
-              <a:t>01.01.2021</a:t>
+              <a:t>02.01.2021</a:t>
             </a:fld>
             <a:endParaRPr lang="uk-UA"/>
           </a:p>
@@ -1900,7 +1929,7 @@
             <a:fld id="{2CEB0FC9-DE63-476B-A1A9-BE934D9049F8}" type="datetime1">
               <a:rPr lang="uk-UA" smtClean="0"/>
               <a:pPr/>
-              <a:t>01.01.2021</a:t>
+              <a:t>02.01.2021</a:t>
             </a:fld>
             <a:endParaRPr lang="uk-UA"/>
           </a:p>
@@ -2185,7 +2214,7 @@
             <a:fld id="{F964460F-86E2-4DF6-9D0F-12F5005CF375}" type="datetime1">
               <a:rPr lang="uk-UA" smtClean="0"/>
               <a:pPr/>
-              <a:t>01.01.2021</a:t>
+              <a:t>02.01.2021</a:t>
             </a:fld>
             <a:endParaRPr lang="uk-UA"/>
           </a:p>
@@ -2604,7 +2633,7 @@
             <a:fld id="{C521715E-DDCD-4267-B0A5-2918B6F6768A}" type="datetime1">
               <a:rPr lang="uk-UA" smtClean="0"/>
               <a:pPr/>
-              <a:t>01.01.2021</a:t>
+              <a:t>02.01.2021</a:t>
             </a:fld>
             <a:endParaRPr lang="uk-UA"/>
           </a:p>
@@ -2719,7 +2748,7 @@
             <a:fld id="{9289842C-EB2D-4EBB-A272-2F6A49D9794D}" type="datetime1">
               <a:rPr lang="uk-UA" smtClean="0"/>
               <a:pPr/>
-              <a:t>01.01.2021</a:t>
+              <a:t>02.01.2021</a:t>
             </a:fld>
             <a:endParaRPr lang="uk-UA"/>
           </a:p>
@@ -2811,7 +2840,7 @@
             <a:fld id="{D036F091-B700-4B52-99AC-85D0FD94D904}" type="datetime1">
               <a:rPr lang="uk-UA" smtClean="0"/>
               <a:pPr/>
-              <a:t>01.01.2021</a:t>
+              <a:t>02.01.2021</a:t>
             </a:fld>
             <a:endParaRPr lang="uk-UA"/>
           </a:p>
@@ -3085,7 +3114,7 @@
             <a:fld id="{B35DFABA-3811-4634-B803-2EAC4CD0063B}" type="datetime1">
               <a:rPr lang="uk-UA" smtClean="0"/>
               <a:pPr/>
-              <a:t>01.01.2021</a:t>
+              <a:t>02.01.2021</a:t>
             </a:fld>
             <a:endParaRPr lang="uk-UA"/>
           </a:p>
@@ -3335,7 +3364,7 @@
             <a:fld id="{8A9EA25E-F88E-463A-A119-D1E55A881002}" type="datetime1">
               <a:rPr lang="uk-UA" smtClean="0"/>
               <a:pPr/>
-              <a:t>01.01.2021</a:t>
+              <a:t>02.01.2021</a:t>
             </a:fld>
             <a:endParaRPr lang="uk-UA"/>
           </a:p>
@@ -3545,7 +3574,7 @@
             <a:fld id="{E708ED03-0080-49A2-B709-7DA4ACB3A1C3}" type="datetime1">
               <a:rPr lang="uk-UA" smtClean="0"/>
               <a:pPr/>
-              <a:t>01.01.2021</a:t>
+              <a:t>02.01.2021</a:t>
             </a:fld>
             <a:endParaRPr lang="uk-UA"/>
           </a:p>
@@ -4497,7 +4526,7 @@
         </p:nvSpPr>
         <p:spPr>
           <a:xfrm>
-            <a:off x="2711624" y="2100912"/>
+            <a:off x="2711624" y="2060848"/>
             <a:ext cx="7272808" cy="3416320"/>
           </a:xfrm>
           <a:prstGeom prst="rect">
